--- a/Batch-07/Proff Lecture Material/LET’S TAKE A SHORT BREAK.pptx
+++ b/Batch-07/Proff Lecture Material/LET’S TAKE A SHORT BREAK.pptx
@@ -304,7 +304,7 @@
             <a:fld id="{D97AE862-9F6A-49E1-B2F5-8E7311A94B8F}" type="datetimeFigureOut">
               <a:rPr lang="en-US" smtClean="0"/>
               <a:pPr/>
-              <a:t>7/6/2020</a:t>
+              <a:t>2/7/2022</a:t>
             </a:fld>
             <a:endParaRPr lang="en-US"/>
           </a:p>
@@ -469,7 +469,7 @@
             <a:fld id="{D97AE862-9F6A-49E1-B2F5-8E7311A94B8F}" type="datetimeFigureOut">
               <a:rPr lang="en-US" smtClean="0"/>
               <a:pPr/>
-              <a:t>7/6/2020</a:t>
+              <a:t>2/7/2022</a:t>
             </a:fld>
             <a:endParaRPr lang="en-US"/>
           </a:p>
@@ -644,7 +644,7 @@
             <a:fld id="{D97AE862-9F6A-49E1-B2F5-8E7311A94B8F}" type="datetimeFigureOut">
               <a:rPr lang="en-US" smtClean="0"/>
               <a:pPr/>
-              <a:t>7/6/2020</a:t>
+              <a:t>2/7/2022</a:t>
             </a:fld>
             <a:endParaRPr lang="en-US"/>
           </a:p>
@@ -809,7 +809,7 @@
             <a:fld id="{D97AE862-9F6A-49E1-B2F5-8E7311A94B8F}" type="datetimeFigureOut">
               <a:rPr lang="en-US" smtClean="0"/>
               <a:pPr/>
-              <a:t>7/6/2020</a:t>
+              <a:t>2/7/2022</a:t>
             </a:fld>
             <a:endParaRPr lang="en-US"/>
           </a:p>
@@ -1051,7 +1051,7 @@
             <a:fld id="{D97AE862-9F6A-49E1-B2F5-8E7311A94B8F}" type="datetimeFigureOut">
               <a:rPr lang="en-US" smtClean="0"/>
               <a:pPr/>
-              <a:t>7/6/2020</a:t>
+              <a:t>2/7/2022</a:t>
             </a:fld>
             <a:endParaRPr lang="en-US"/>
           </a:p>
@@ -1333,7 +1333,7 @@
             <a:fld id="{D97AE862-9F6A-49E1-B2F5-8E7311A94B8F}" type="datetimeFigureOut">
               <a:rPr lang="en-US" smtClean="0"/>
               <a:pPr/>
-              <a:t>7/6/2020</a:t>
+              <a:t>2/7/2022</a:t>
             </a:fld>
             <a:endParaRPr lang="en-US"/>
           </a:p>
@@ -1749,7 +1749,7 @@
             <a:fld id="{D97AE862-9F6A-49E1-B2F5-8E7311A94B8F}" type="datetimeFigureOut">
               <a:rPr lang="en-US" smtClean="0"/>
               <a:pPr/>
-              <a:t>7/6/2020</a:t>
+              <a:t>2/7/2022</a:t>
             </a:fld>
             <a:endParaRPr lang="en-US"/>
           </a:p>
@@ -1863,7 +1863,7 @@
             <a:fld id="{D97AE862-9F6A-49E1-B2F5-8E7311A94B8F}" type="datetimeFigureOut">
               <a:rPr lang="en-US" smtClean="0"/>
               <a:pPr/>
-              <a:t>7/6/2020</a:t>
+              <a:t>2/7/2022</a:t>
             </a:fld>
             <a:endParaRPr lang="en-US"/>
           </a:p>
@@ -1955,7 +1955,7 @@
             <a:fld id="{D97AE862-9F6A-49E1-B2F5-8E7311A94B8F}" type="datetimeFigureOut">
               <a:rPr lang="en-US" smtClean="0"/>
               <a:pPr/>
-              <a:t>7/6/2020</a:t>
+              <a:t>2/7/2022</a:t>
             </a:fld>
             <a:endParaRPr lang="en-US"/>
           </a:p>
@@ -2227,7 +2227,7 @@
             <a:fld id="{D97AE862-9F6A-49E1-B2F5-8E7311A94B8F}" type="datetimeFigureOut">
               <a:rPr lang="en-US" smtClean="0"/>
               <a:pPr/>
-              <a:t>7/6/2020</a:t>
+              <a:t>2/7/2022</a:t>
             </a:fld>
             <a:endParaRPr lang="en-US"/>
           </a:p>
@@ -2476,7 +2476,7 @@
             <a:fld id="{D97AE862-9F6A-49E1-B2F5-8E7311A94B8F}" type="datetimeFigureOut">
               <a:rPr lang="en-US" smtClean="0"/>
               <a:pPr/>
-              <a:t>7/6/2020</a:t>
+              <a:t>2/7/2022</a:t>
             </a:fld>
             <a:endParaRPr lang="en-US"/>
           </a:p>
@@ -2684,7 +2684,7 @@
             <a:fld id="{D97AE862-9F6A-49E1-B2F5-8E7311A94B8F}" type="datetimeFigureOut">
               <a:rPr lang="en-US" smtClean="0"/>
               <a:pPr/>
-              <a:t>7/6/2020</a:t>
+              <a:t>2/7/2022</a:t>
             </a:fld>
             <a:endParaRPr lang="en-US"/>
           </a:p>
@@ -3264,8 +3264,8 @@
         </p:nvSpPr>
         <p:spPr>
           <a:xfrm>
-            <a:off x="2544999" y="3886200"/>
-            <a:ext cx="4406719" cy="523220"/>
+            <a:off x="1905000" y="3883212"/>
+            <a:ext cx="5706755" cy="523220"/>
           </a:xfrm>
           <a:prstGeom prst="rect">
             <a:avLst/>
@@ -3279,7 +3279,7 @@
           <a:p>
             <a:r>
               <a:rPr lang="en-US" sz="2800" b="1" dirty="0"/>
-              <a:t>AWS SOLUTIONS ARCHITECT</a:t>
+              <a:t>TNGS LS AWS SOLUTIONS ARCHITECT</a:t>
             </a:r>
           </a:p>
         </p:txBody>
